--- a/ERD.pptx
+++ b/ERD.pptx
@@ -261,7 +261,7 @@
           <a:p>
             <a:fld id="{F6D1C0D2-DE53-4C78-90C0-9837CC749D50}" type="datetimeFigureOut">
               <a:rPr lang="en-CA" smtClean="0"/>
-              <a:t>2023-01-12</a:t>
+              <a:t>2023-01-14</a:t>
             </a:fld>
             <a:endParaRPr lang="en-CA"/>
           </a:p>
@@ -461,7 +461,7 @@
           <a:p>
             <a:fld id="{F6D1C0D2-DE53-4C78-90C0-9837CC749D50}" type="datetimeFigureOut">
               <a:rPr lang="en-CA" smtClean="0"/>
-              <a:t>2023-01-12</a:t>
+              <a:t>2023-01-14</a:t>
             </a:fld>
             <a:endParaRPr lang="en-CA"/>
           </a:p>
@@ -671,7 +671,7 @@
           <a:p>
             <a:fld id="{F6D1C0D2-DE53-4C78-90C0-9837CC749D50}" type="datetimeFigureOut">
               <a:rPr lang="en-CA" smtClean="0"/>
-              <a:t>2023-01-12</a:t>
+              <a:t>2023-01-14</a:t>
             </a:fld>
             <a:endParaRPr lang="en-CA"/>
           </a:p>
@@ -871,7 +871,7 @@
           <a:p>
             <a:fld id="{F6D1C0D2-DE53-4C78-90C0-9837CC749D50}" type="datetimeFigureOut">
               <a:rPr lang="en-CA" smtClean="0"/>
-              <a:t>2023-01-12</a:t>
+              <a:t>2023-01-14</a:t>
             </a:fld>
             <a:endParaRPr lang="en-CA"/>
           </a:p>
@@ -1147,7 +1147,7 @@
           <a:p>
             <a:fld id="{F6D1C0D2-DE53-4C78-90C0-9837CC749D50}" type="datetimeFigureOut">
               <a:rPr lang="en-CA" smtClean="0"/>
-              <a:t>2023-01-12</a:t>
+              <a:t>2023-01-14</a:t>
             </a:fld>
             <a:endParaRPr lang="en-CA"/>
           </a:p>
@@ -1415,7 +1415,7 @@
           <a:p>
             <a:fld id="{F6D1C0D2-DE53-4C78-90C0-9837CC749D50}" type="datetimeFigureOut">
               <a:rPr lang="en-CA" smtClean="0"/>
-              <a:t>2023-01-12</a:t>
+              <a:t>2023-01-14</a:t>
             </a:fld>
             <a:endParaRPr lang="en-CA"/>
           </a:p>
@@ -1830,7 +1830,7 @@
           <a:p>
             <a:fld id="{F6D1C0D2-DE53-4C78-90C0-9837CC749D50}" type="datetimeFigureOut">
               <a:rPr lang="en-CA" smtClean="0"/>
-              <a:t>2023-01-12</a:t>
+              <a:t>2023-01-14</a:t>
             </a:fld>
             <a:endParaRPr lang="en-CA"/>
           </a:p>
@@ -1972,7 +1972,7 @@
           <a:p>
             <a:fld id="{F6D1C0D2-DE53-4C78-90C0-9837CC749D50}" type="datetimeFigureOut">
               <a:rPr lang="en-CA" smtClean="0"/>
-              <a:t>2023-01-12</a:t>
+              <a:t>2023-01-14</a:t>
             </a:fld>
             <a:endParaRPr lang="en-CA"/>
           </a:p>
@@ -2085,7 +2085,7 @@
           <a:p>
             <a:fld id="{F6D1C0D2-DE53-4C78-90C0-9837CC749D50}" type="datetimeFigureOut">
               <a:rPr lang="en-CA" smtClean="0"/>
-              <a:t>2023-01-12</a:t>
+              <a:t>2023-01-14</a:t>
             </a:fld>
             <a:endParaRPr lang="en-CA"/>
           </a:p>
@@ -2398,7 +2398,7 @@
           <a:p>
             <a:fld id="{F6D1C0D2-DE53-4C78-90C0-9837CC749D50}" type="datetimeFigureOut">
               <a:rPr lang="en-CA" smtClean="0"/>
-              <a:t>2023-01-12</a:t>
+              <a:t>2023-01-14</a:t>
             </a:fld>
             <a:endParaRPr lang="en-CA"/>
           </a:p>
@@ -2687,7 +2687,7 @@
           <a:p>
             <a:fld id="{F6D1C0D2-DE53-4C78-90C0-9837CC749D50}" type="datetimeFigureOut">
               <a:rPr lang="en-CA" smtClean="0"/>
-              <a:t>2023-01-12</a:t>
+              <a:t>2023-01-14</a:t>
             </a:fld>
             <a:endParaRPr lang="en-CA"/>
           </a:p>
@@ -2930,7 +2930,7 @@
           <a:p>
             <a:fld id="{F6D1C0D2-DE53-4C78-90C0-9837CC749D50}" type="datetimeFigureOut">
               <a:rPr lang="en-CA" smtClean="0"/>
-              <a:t>2023-01-12</a:t>
+              <a:t>2023-01-14</a:t>
             </a:fld>
             <a:endParaRPr lang="en-CA"/>
           </a:p>
@@ -3362,13 +3362,13 @@
           <p:nvPr>
             <p:extLst>
               <p:ext uri="{D42A27DB-BD31-4B8C-83A1-F6EECF244321}">
-                <p14:modId xmlns:p14="http://schemas.microsoft.com/office/powerpoint/2010/main" val="3569802756"/>
+                <p14:modId xmlns:p14="http://schemas.microsoft.com/office/powerpoint/2010/main" val="2684666202"/>
               </p:ext>
             </p:extLst>
           </p:nvPr>
         </p:nvGraphicFramePr>
         <p:xfrm>
-          <a:off x="600414" y="289711"/>
+          <a:off x="169418" y="1257433"/>
           <a:ext cx="1346081" cy="1075004"/>
         </p:xfrm>
         <a:graphic>
@@ -3466,14 +3466,14 @@
           <p:nvPr>
             <p:extLst>
               <p:ext uri="{D42A27DB-BD31-4B8C-83A1-F6EECF244321}">
-                <p14:modId xmlns:p14="http://schemas.microsoft.com/office/powerpoint/2010/main" val="4195215162"/>
+                <p14:modId xmlns:p14="http://schemas.microsoft.com/office/powerpoint/2010/main" val="1717062385"/>
               </p:ext>
             </p:extLst>
           </p:nvPr>
         </p:nvGraphicFramePr>
         <p:xfrm>
-          <a:off x="3142751" y="289711"/>
-          <a:ext cx="1492623" cy="1238542"/>
+          <a:off x="2216388" y="1257433"/>
+          <a:ext cx="1531854" cy="1075004"/>
         </p:xfrm>
         <a:graphic>
           <a:graphicData uri="http://schemas.openxmlformats.org/drawingml/2006/table">
@@ -3482,7 +3482,7 @@
                 <a:tableStyleId>{5C22544A-7EE6-4342-B048-85BDC9FD1C3A}</a:tableStyleId>
               </a:tblPr>
               <a:tblGrid>
-                <a:gridCol w="1492623">
+                <a:gridCol w="1531854">
                   <a:extLst>
                     <a:ext uri="{9D8B030D-6E8A-4147-A177-3AD203B41FA5}">
                       <a16:colId xmlns:a16="http://schemas.microsoft.com/office/drawing/2014/main" val="192315256"/>
@@ -3574,13 +3574,13 @@
           <p:nvPr>
             <p:extLst>
               <p:ext uri="{D42A27DB-BD31-4B8C-83A1-F6EECF244321}">
-                <p14:modId xmlns:p14="http://schemas.microsoft.com/office/powerpoint/2010/main" val="2858781024"/>
+                <p14:modId xmlns:p14="http://schemas.microsoft.com/office/powerpoint/2010/main" val="1418959177"/>
               </p:ext>
             </p:extLst>
           </p:nvPr>
         </p:nvGraphicFramePr>
         <p:xfrm>
-          <a:off x="5088148" y="276322"/>
+          <a:off x="7113442" y="1226431"/>
           <a:ext cx="2145675" cy="1429626"/>
         </p:xfrm>
         <a:graphic>
@@ -3701,13 +3701,13 @@
           <p:nvPr>
             <p:extLst>
               <p:ext uri="{D42A27DB-BD31-4B8C-83A1-F6EECF244321}">
-                <p14:modId xmlns:p14="http://schemas.microsoft.com/office/powerpoint/2010/main" val="486076089"/>
+                <p14:modId xmlns:p14="http://schemas.microsoft.com/office/powerpoint/2010/main" val="4258058355"/>
               </p:ext>
             </p:extLst>
           </p:nvPr>
         </p:nvGraphicFramePr>
         <p:xfrm>
-          <a:off x="8474048" y="289711"/>
+          <a:off x="10007439" y="1226431"/>
           <a:ext cx="2018918" cy="1075004"/>
         </p:xfrm>
         <a:graphic>
@@ -3805,13 +3805,13 @@
           <p:nvPr>
             <p:extLst>
               <p:ext uri="{D42A27DB-BD31-4B8C-83A1-F6EECF244321}">
-                <p14:modId xmlns:p14="http://schemas.microsoft.com/office/powerpoint/2010/main" val="1961386622"/>
+                <p14:modId xmlns:p14="http://schemas.microsoft.com/office/powerpoint/2010/main" val="1162389681"/>
               </p:ext>
             </p:extLst>
           </p:nvPr>
         </p:nvGraphicFramePr>
         <p:xfrm>
-          <a:off x="3745615" y="2047180"/>
+          <a:off x="4374881" y="2565760"/>
           <a:ext cx="2214074" cy="2138870"/>
         </p:xfrm>
         <a:graphic>
@@ -3973,7 +3973,7 @@
         </p:nvCxnSpPr>
         <p:spPr>
           <a:xfrm rot="10800000" flipV="1">
-            <a:off x="3048690" y="1198955"/>
+            <a:off x="2134639" y="2146967"/>
             <a:ext cx="75313" cy="3651"/>
           </a:xfrm>
           <a:prstGeom prst="curvedConnector3">
@@ -4016,8 +4016,8 @@
         </p:nvCxnSpPr>
         <p:spPr>
           <a:xfrm rot="10800000">
-            <a:off x="3671541" y="3644901"/>
-            <a:ext cx="117949" cy="12703"/>
+            <a:off x="4288748" y="4214371"/>
+            <a:ext cx="86132" cy="12703"/>
           </a:xfrm>
           <a:prstGeom prst="curvedConnector3">
             <a:avLst/>
@@ -4057,7 +4057,7 @@
         </p:nvCxnSpPr>
         <p:spPr>
           <a:xfrm>
-            <a:off x="5959689" y="3983527"/>
+            <a:off x="6584242" y="4565637"/>
             <a:ext cx="63379" cy="12700"/>
           </a:xfrm>
           <a:prstGeom prst="curvedConnector3">
@@ -4098,7 +4098,7 @@
         </p:nvCxnSpPr>
         <p:spPr>
           <a:xfrm>
-            <a:off x="7258309" y="1484769"/>
+            <a:off x="9250064" y="2480636"/>
             <a:ext cx="70798" cy="12700"/>
           </a:xfrm>
           <a:prstGeom prst="curvedConnector3">
@@ -4142,8 +4142,8 @@
         </p:nvCxnSpPr>
         <p:spPr>
           <a:xfrm>
-            <a:off x="1946495" y="827213"/>
-            <a:ext cx="1237995" cy="371742"/>
+            <a:off x="1515499" y="1794935"/>
+            <a:ext cx="720195" cy="356952"/>
           </a:xfrm>
           <a:prstGeom prst="bentConnector3">
             <a:avLst/>
@@ -4179,19 +4179,17 @@
           </p:cNvPr>
           <p:cNvCxnSpPr>
             <a:cxnSpLocks/>
-            <a:stCxn id="7" idx="1"/>
           </p:cNvCxnSpPr>
           <p:nvPr/>
         </p:nvCxnSpPr>
         <p:spPr>
-          <a:xfrm rot="10800000" flipH="1" flipV="1">
-            <a:off x="3142751" y="908981"/>
-            <a:ext cx="602864" cy="2748623"/>
+          <a:xfrm rot="16200000" flipH="1">
+            <a:off x="2833801" y="2685992"/>
+            <a:ext cx="2432139" cy="650022"/>
           </a:xfrm>
-          <a:prstGeom prst="bentConnector4">
+          <a:prstGeom prst="bentConnector3">
             <a:avLst>
-              <a:gd name="adj1" fmla="val -37919"/>
-              <a:gd name="adj2" fmla="val 100132"/>
+              <a:gd name="adj1" fmla="val 99508"/>
             </a:avLst>
           </a:prstGeom>
           <a:ln>
@@ -4230,12 +4228,12 @@
         </p:nvCxnSpPr>
         <p:spPr>
           <a:xfrm rot="5400000" flipH="1" flipV="1">
-            <a:off x="4964560" y="1736121"/>
-            <a:ext cx="3244790" cy="1275425"/>
+            <a:off x="5436183" y="2911992"/>
+            <a:ext cx="2808054" cy="511936"/>
           </a:xfrm>
           <a:prstGeom prst="bentConnector3">
             <a:avLst>
-              <a:gd name="adj1" fmla="val 335"/>
+              <a:gd name="adj1" fmla="val 349"/>
             </a:avLst>
           </a:prstGeom>
           <a:ln>
@@ -4275,8 +4273,8 @@
         </p:nvCxnSpPr>
         <p:spPr>
           <a:xfrm flipV="1">
-            <a:off x="7246068" y="827213"/>
-            <a:ext cx="1227980" cy="670256"/>
+            <a:off x="9237512" y="1763933"/>
+            <a:ext cx="769927" cy="723482"/>
           </a:xfrm>
           <a:prstGeom prst="bentConnector3">
             <a:avLst>
